--- a/springboot/SpringBoot-maven.pptx
+++ b/springboot/SpringBoot-maven.pptx
@@ -380,7 +380,7 @@
           <a:p>
             <a:fld id="{F7D0D880-61F1-AB4F-8E00-FABFB00B7F35}" type="datetimeFigureOut">
               <a:rPr lang="en-US" smtClean="0"/>
-              <a:t>5/28/19</a:t>
+              <a:t>5/29/19</a:t>
             </a:fld>
             <a:endParaRPr lang="en-US"/>
           </a:p>
@@ -588,7 +588,7 @@
           <a:p>
             <a:fld id="{F7D0D880-61F1-AB4F-8E00-FABFB00B7F35}" type="datetimeFigureOut">
               <a:rPr lang="en-US" smtClean="0"/>
-              <a:t>5/28/19</a:t>
+              <a:t>5/29/19</a:t>
             </a:fld>
             <a:endParaRPr lang="en-US"/>
           </a:p>
@@ -844,7 +844,7 @@
           <a:p>
             <a:fld id="{F7D0D880-61F1-AB4F-8E00-FABFB00B7F35}" type="datetimeFigureOut">
               <a:rPr lang="en-US" smtClean="0"/>
-              <a:t>5/28/19</a:t>
+              <a:t>5/29/19</a:t>
             </a:fld>
             <a:endParaRPr lang="en-US"/>
           </a:p>
@@ -1018,7 +1018,7 @@
           <a:p>
             <a:fld id="{F7D0D880-61F1-AB4F-8E00-FABFB00B7F35}" type="datetimeFigureOut">
               <a:rPr lang="en-US" smtClean="0"/>
-              <a:t>5/28/19</a:t>
+              <a:t>5/29/19</a:t>
             </a:fld>
             <a:endParaRPr lang="en-US"/>
           </a:p>
@@ -1361,7 +1361,7 @@
           <a:p>
             <a:fld id="{F7D0D880-61F1-AB4F-8E00-FABFB00B7F35}" type="datetimeFigureOut">
               <a:rPr lang="en-US" smtClean="0"/>
-              <a:t>5/28/19</a:t>
+              <a:t>5/29/19</a:t>
             </a:fld>
             <a:endParaRPr lang="en-US"/>
           </a:p>
@@ -1636,7 +1636,7 @@
           <a:p>
             <a:fld id="{F7D0D880-61F1-AB4F-8E00-FABFB00B7F35}" type="datetimeFigureOut">
               <a:rPr lang="en-US" smtClean="0"/>
-              <a:t>5/28/19</a:t>
+              <a:t>5/29/19</a:t>
             </a:fld>
             <a:endParaRPr lang="en-US"/>
           </a:p>
@@ -2015,7 +2015,7 @@
           <a:p>
             <a:fld id="{F7D0D880-61F1-AB4F-8E00-FABFB00B7F35}" type="datetimeFigureOut">
               <a:rPr lang="en-US" smtClean="0"/>
-              <a:t>5/28/19</a:t>
+              <a:t>5/29/19</a:t>
             </a:fld>
             <a:endParaRPr lang="en-US"/>
           </a:p>
@@ -2133,7 +2133,7 @@
           <a:p>
             <a:fld id="{F7D0D880-61F1-AB4F-8E00-FABFB00B7F35}" type="datetimeFigureOut">
               <a:rPr lang="en-US" smtClean="0"/>
-              <a:t>5/28/19</a:t>
+              <a:t>5/29/19</a:t>
             </a:fld>
             <a:endParaRPr lang="en-US"/>
           </a:p>
@@ -2304,7 +2304,7 @@
           <a:p>
             <a:fld id="{F7D0D880-61F1-AB4F-8E00-FABFB00B7F35}" type="datetimeFigureOut">
               <a:rPr lang="en-US" smtClean="0"/>
-              <a:t>5/28/19</a:t>
+              <a:t>5/29/19</a:t>
             </a:fld>
             <a:endParaRPr lang="en-US"/>
           </a:p>
@@ -2658,7 +2658,7 @@
           <a:p>
             <a:fld id="{F7D0D880-61F1-AB4F-8E00-FABFB00B7F35}" type="datetimeFigureOut">
               <a:rPr lang="en-US" smtClean="0"/>
-              <a:t>5/28/19</a:t>
+              <a:t>5/29/19</a:t>
             </a:fld>
             <a:endParaRPr lang="en-US"/>
           </a:p>
@@ -3040,7 +3040,7 @@
           <a:p>
             <a:fld id="{F7D0D880-61F1-AB4F-8E00-FABFB00B7F35}" type="datetimeFigureOut">
               <a:rPr lang="en-US" smtClean="0"/>
-              <a:t>5/28/19</a:t>
+              <a:t>5/29/19</a:t>
             </a:fld>
             <a:endParaRPr lang="en-US"/>
           </a:p>
@@ -3327,7 +3327,7 @@
           <a:p>
             <a:fld id="{F7D0D880-61F1-AB4F-8E00-FABFB00B7F35}" type="datetimeFigureOut">
               <a:rPr lang="en-US" smtClean="0"/>
-              <a:t>5/28/19</a:t>
+              <a:t>5/29/19</a:t>
             </a:fld>
             <a:endParaRPr lang="en-US"/>
           </a:p>
@@ -4413,7 +4413,7 @@
             <p:ph idx="1"/>
             <p:extLst>
               <p:ext uri="{D42A27DB-BD31-4B8C-83A1-F6EECF244321}">
-                <p14:modId xmlns:p14="http://schemas.microsoft.com/office/powerpoint/2010/main" val="1114577313"/>
+                <p14:modId xmlns:p14="http://schemas.microsoft.com/office/powerpoint/2010/main" val="104895994"/>
               </p:ext>
             </p:extLst>
           </p:nvPr>
@@ -4428,8 +4428,8 @@
               <a:tblPr/>
               <a:tblGrid>
                 <a:gridCol w="3050527"/>
-                <a:gridCol w="3050527"/>
-                <a:gridCol w="3050527"/>
+                <a:gridCol w="1395742"/>
+                <a:gridCol w="4705312"/>
               </a:tblGrid>
               <a:tr h="273197">
                 <a:tc>
@@ -4730,7 +4730,7 @@
                     <a:p>
                       <a:pPr fontAlgn="t"/>
                       <a:r>
-                        <a:rPr lang="zh-CN" altLang="en-US" sz="1400">
+                        <a:rPr lang="zh-CN" altLang="en-US" sz="1400" dirty="0">
                           <a:effectLst/>
                         </a:rPr>
                         <a:t>验证项目是否正确且所有必须信息是可用的</a:t>
@@ -4900,7 +4900,7 @@
                     <a:p>
                       <a:pPr fontAlgn="t"/>
                       <a:r>
-                        <a:rPr lang="zh-CN" altLang="en-US" sz="1400">
+                        <a:rPr lang="zh-CN" altLang="en-US" sz="1400" dirty="0">
                           <a:effectLst/>
                         </a:rPr>
                         <a:t>源代码编译在此阶段完成</a:t>
@@ -5334,7 +5334,7 @@
                     <a:p>
                       <a:pPr fontAlgn="t"/>
                       <a:r>
-                        <a:rPr lang="en-US" sz="1400">
+                        <a:rPr lang="en-US" sz="1400" dirty="0">
                           <a:effectLst/>
                         </a:rPr>
                         <a:t>检查 verify</a:t>
@@ -5390,7 +5390,7 @@
                     <a:p>
                       <a:pPr fontAlgn="t"/>
                       <a:r>
-                        <a:rPr lang="zh-CN" altLang="en-US" sz="1400">
+                        <a:rPr lang="zh-CN" altLang="en-US" sz="1400" dirty="0">
                           <a:effectLst/>
                         </a:rPr>
                         <a:t>检查</a:t>
@@ -5616,7 +5616,7 @@
                     <a:p>
                       <a:pPr fontAlgn="t"/>
                       <a:r>
-                        <a:rPr lang="zh-CN" altLang="en-US" sz="1400">
+                        <a:rPr lang="zh-CN" altLang="en-US" sz="1400" dirty="0">
                           <a:effectLst/>
                         </a:rPr>
                         <a:t>安装打包的项目到本地仓库，以供其他项目使用</a:t>
@@ -14497,7 +14497,7 @@
         <p:spPr/>
         <p:txBody>
           <a:bodyPr>
-            <a:normAutofit fontScale="85000" lnSpcReduction="20000"/>
+            <a:normAutofit/>
           </a:bodyPr>
           <a:lstStyle/>
           <a:p>
@@ -14534,6 +14534,7 @@
             </a:r>
           </a:p>
           <a:p>
+            <a:pPr lvl="1"/>
             <a:r>
               <a:rPr lang="en-US" dirty="0" smtClean="0"/>
               <a:t>&lt;</a:t>
@@ -14545,6 +14546,7 @@
             <a:endParaRPr lang="en-US" dirty="0" smtClean="0"/>
           </a:p>
           <a:p>
+            <a:pPr lvl="2"/>
             <a:r>
               <a:rPr lang="en-US" dirty="0" smtClean="0"/>
               <a:t>&lt;</a:t>
@@ -14576,17 +14578,7 @@
             <a:endParaRPr lang="en-US" dirty="0" smtClean="0"/>
           </a:p>
           <a:p>
-            <a:r>
-              <a:rPr lang="en-US" dirty="0" smtClean="0"/>
-              <a:t>&lt;!-- </a:t>
-            </a:r>
-            <a:r>
-              <a:rPr lang="en-US" dirty="0"/>
-              <a:t>库名称，也可以自定义 --&gt; </a:t>
-            </a:r>
-            <a:endParaRPr lang="en-US" dirty="0" smtClean="0"/>
-          </a:p>
-          <a:p>
+            <a:pPr lvl="2"/>
             <a:r>
               <a:rPr lang="en-US" dirty="0" smtClean="0"/>
               <a:t>&lt;</a:t>
@@ -14618,91 +14610,83 @@
             <a:endParaRPr lang="en-US" dirty="0" smtClean="0"/>
           </a:p>
           <a:p>
+            <a:pPr lvl="2"/>
+            <a:r>
+              <a:rPr lang="en-US" dirty="0" smtClean="0"/>
+              <a:t>&lt;</a:t>
+            </a:r>
+            <a:r>
+              <a:rPr lang="en-US" dirty="0"/>
+              <a:t>version&gt;1.0&lt;/version&gt; &lt;!--版本号</a:t>
+            </a:r>
+            <a:r>
+              <a:rPr lang="en-US" dirty="0" smtClean="0"/>
+              <a:t>--&gt;</a:t>
+            </a:r>
+          </a:p>
+          <a:p>
+            <a:pPr lvl="2"/>
+            <a:r>
+              <a:rPr lang="en-US" dirty="0" smtClean="0"/>
+              <a:t>&lt;</a:t>
+            </a:r>
+            <a:r>
+              <a:rPr lang="en-US" dirty="0"/>
+              <a:t>scope&gt;system&lt;/scope&gt; &lt;!--作用域--&gt; </a:t>
+            </a:r>
+            <a:endParaRPr lang="en-US" dirty="0" smtClean="0"/>
+          </a:p>
+          <a:p>
+            <a:pPr lvl="2"/>
+            <a:r>
+              <a:rPr lang="en-US" dirty="0" smtClean="0"/>
+              <a:t>&lt;</a:t>
+            </a:r>
+            <a:r>
+              <a:rPr lang="en-US" dirty="0" err="1"/>
+              <a:t>systemPath</a:t>
+            </a:r>
+            <a:r>
+              <a:rPr lang="en-US" dirty="0"/>
+              <a:t>&gt;${</a:t>
+            </a:r>
+            <a:r>
+              <a:rPr lang="en-US" dirty="0" err="1"/>
+              <a:t>basedir</a:t>
+            </a:r>
+            <a:r>
+              <a:rPr lang="en-US" dirty="0"/>
+              <a:t>}\</a:t>
+            </a:r>
+            <a:r>
+              <a:rPr lang="en-US" dirty="0" err="1"/>
+              <a:t>src</a:t>
+            </a:r>
+            <a:r>
+              <a:rPr lang="en-US" dirty="0"/>
+              <a:t>\lib\</a:t>
+            </a:r>
+            <a:r>
+              <a:rPr lang="en-US" dirty="0" err="1"/>
+              <a:t>ldapjdk.jar</a:t>
+            </a:r>
+            <a:r>
+              <a:rPr lang="en-US" dirty="0"/>
+              <a:t>&lt;/</a:t>
+            </a:r>
+            <a:r>
+              <a:rPr lang="en-US" dirty="0" err="1"/>
+              <a:t>systemPath</a:t>
+            </a:r>
+            <a:r>
+              <a:rPr lang="en-US" dirty="0"/>
+              <a:t>&gt; </a:t>
+            </a:r>
             <a:r>
               <a:rPr lang="en-US" dirty="0" smtClean="0"/>
               <a:t>&lt;!--</a:t>
             </a:r>
             <a:r>
-              <a:rPr lang="en-US" dirty="0"/>
-              <a:t>库名称，也可以自定义--&gt; </a:t>
-            </a:r>
-            <a:endParaRPr lang="en-US" dirty="0" smtClean="0"/>
-          </a:p>
-          <a:p>
-            <a:r>
-              <a:rPr lang="en-US" dirty="0" smtClean="0"/>
-              <a:t>&lt;</a:t>
-            </a:r>
-            <a:r>
-              <a:rPr lang="en-US" dirty="0"/>
-              <a:t>version&gt;1.0&lt;/version&gt; &lt;!--版本号</a:t>
-            </a:r>
-            <a:r>
-              <a:rPr lang="en-US" dirty="0" smtClean="0"/>
-              <a:t>--&gt;</a:t>
-            </a:r>
-          </a:p>
-          <a:p>
-            <a:r>
-              <a:rPr lang="en-US" dirty="0" smtClean="0"/>
-              <a:t> </a:t>
-            </a:r>
-            <a:r>
-              <a:rPr lang="en-US" dirty="0"/>
-              <a:t>&lt;scope&gt;system&lt;/scope&gt; &lt;!--作用域--&gt; </a:t>
-            </a:r>
-            <a:endParaRPr lang="en-US" dirty="0" smtClean="0"/>
-          </a:p>
-          <a:p>
-            <a:r>
-              <a:rPr lang="en-US" dirty="0" smtClean="0"/>
-              <a:t>&lt;</a:t>
-            </a:r>
-            <a:r>
-              <a:rPr lang="en-US" dirty="0" err="1"/>
-              <a:t>systemPath</a:t>
-            </a:r>
-            <a:r>
-              <a:rPr lang="en-US" dirty="0"/>
-              <a:t>&gt;${</a:t>
-            </a:r>
-            <a:r>
-              <a:rPr lang="en-US" dirty="0" err="1"/>
-              <a:t>basedir</a:t>
-            </a:r>
-            <a:r>
-              <a:rPr lang="en-US" dirty="0"/>
-              <a:t>}\</a:t>
-            </a:r>
-            <a:r>
-              <a:rPr lang="en-US" dirty="0" err="1"/>
-              <a:t>src</a:t>
-            </a:r>
-            <a:r>
-              <a:rPr lang="en-US" dirty="0"/>
-              <a:t>\lib\</a:t>
-            </a:r>
-            <a:r>
-              <a:rPr lang="en-US" dirty="0" err="1"/>
-              <a:t>ldapjdk.jar</a:t>
-            </a:r>
-            <a:r>
-              <a:rPr lang="en-US" dirty="0"/>
-              <a:t>&lt;/</a:t>
-            </a:r>
-            <a:r>
-              <a:rPr lang="en-US" dirty="0" err="1"/>
-              <a:t>systemPath</a:t>
-            </a:r>
-            <a:r>
-              <a:rPr lang="en-US" dirty="0"/>
-              <a:t>&gt; </a:t>
-            </a:r>
-            <a:r>
-              <a:rPr lang="en-US" dirty="0" smtClean="0"/>
-              <a:t>&lt;!--</a:t>
-            </a:r>
-            <a:r>
               <a:rPr lang="en-US" dirty="0" err="1"/>
               <a:t>项目根目录下的lib文件夹下</a:t>
             </a:r>
@@ -14713,13 +14697,25 @@
             <a:endParaRPr lang="en-US" dirty="0" smtClean="0"/>
           </a:p>
           <a:p>
+            <a:pPr lvl="1"/>
             <a:r>
               <a:rPr lang="en-US" dirty="0" smtClean="0"/>
               <a:t>&lt;/</a:t>
             </a:r>
             <a:r>
               <a:rPr lang="en-US" dirty="0"/>
-              <a:t>dependency&gt; &lt;/dependencies&gt;</a:t>
+              <a:t>dependency&gt; </a:t>
+            </a:r>
+            <a:endParaRPr lang="en-US" dirty="0" smtClean="0"/>
+          </a:p>
+          <a:p>
+            <a:r>
+              <a:rPr lang="en-US" dirty="0" smtClean="0"/>
+              <a:t>&lt;/</a:t>
+            </a:r>
+            <a:r>
+              <a:rPr lang="en-US" dirty="0"/>
+              <a:t>dependencies&gt;</a:t>
             </a:r>
           </a:p>
         </p:txBody>
@@ -19158,10 +19154,46 @@
                     <a:p>
                       <a:pPr fontAlgn="t"/>
                       <a:r>
-                        <a:rPr lang="en-US" sz="1300">
-                          <a:effectLst/>
-                        </a:rPr>
-                        <a:t>${basedir}/src/main/webapp/WEB-INF</a:t>
+                        <a:rPr lang="en-US" sz="1300" dirty="0">
+                          <a:effectLst/>
+                        </a:rPr>
+                        <a:t>${</a:t>
+                      </a:r>
+                      <a:r>
+                        <a:rPr lang="en-US" sz="1300" dirty="0" err="1">
+                          <a:effectLst/>
+                        </a:rPr>
+                        <a:t>basedir</a:t>
+                      </a:r>
+                      <a:r>
+                        <a:rPr lang="en-US" sz="1300" dirty="0">
+                          <a:effectLst/>
+                        </a:rPr>
+                        <a:t>}/</a:t>
+                      </a:r>
+                      <a:r>
+                        <a:rPr lang="en-US" sz="1300" dirty="0" err="1">
+                          <a:effectLst/>
+                        </a:rPr>
+                        <a:t>src</a:t>
+                      </a:r>
+                      <a:r>
+                        <a:rPr lang="en-US" sz="1300" dirty="0">
+                          <a:effectLst/>
+                        </a:rPr>
+                        <a:t>/main/</a:t>
+                      </a:r>
+                      <a:r>
+                        <a:rPr lang="en-US" sz="1300" dirty="0" err="1">
+                          <a:effectLst/>
+                        </a:rPr>
+                        <a:t>webapp</a:t>
+                      </a:r>
+                      <a:r>
+                        <a:rPr lang="en-US" sz="1300" dirty="0">
+                          <a:effectLst/>
+                        </a:rPr>
+                        <a:t>/WEB-INF</a:t>
                       </a:r>
                     </a:p>
                   </a:txBody>
@@ -19214,49 +19246,49 @@
                     <a:p>
                       <a:pPr fontAlgn="t"/>
                       <a:r>
-                        <a:rPr lang="en-US" altLang="zh-CN" sz="1300">
+                        <a:rPr lang="en-US" altLang="zh-CN" sz="1300" dirty="0">
                           <a:effectLst/>
                         </a:rPr>
                         <a:t>web</a:t>
                       </a:r>
                       <a:r>
-                        <a:rPr lang="zh-CN" altLang="en-US" sz="1300">
+                        <a:rPr lang="zh-CN" altLang="en-US" sz="1300" dirty="0">
                           <a:effectLst/>
                         </a:rPr>
                         <a:t>应用文件目录，</a:t>
                       </a:r>
                       <a:r>
-                        <a:rPr lang="en-US" altLang="zh-CN" sz="1300">
+                        <a:rPr lang="en-US" altLang="zh-CN" sz="1300" dirty="0">
                           <a:effectLst/>
                         </a:rPr>
                         <a:t>web</a:t>
                       </a:r>
                       <a:r>
-                        <a:rPr lang="zh-CN" altLang="en-US" sz="1300">
+                        <a:rPr lang="zh-CN" altLang="en-US" sz="1300" dirty="0">
                           <a:effectLst/>
                         </a:rPr>
                         <a:t>项目的信息，比如存放</a:t>
                       </a:r>
                       <a:r>
-                        <a:rPr lang="en-US" altLang="zh-CN" sz="1300">
+                        <a:rPr lang="en-US" altLang="zh-CN" sz="1300" dirty="0" err="1">
                           <a:effectLst/>
                         </a:rPr>
                         <a:t>web.xml</a:t>
                       </a:r>
                       <a:r>
-                        <a:rPr lang="zh-CN" altLang="en-US" sz="1300">
+                        <a:rPr lang="zh-CN" altLang="en-US" sz="1300" dirty="0">
                           <a:effectLst/>
                         </a:rPr>
                         <a:t>、本地图片、</a:t>
                       </a:r>
                       <a:r>
-                        <a:rPr lang="en-US" altLang="zh-CN" sz="1300">
+                        <a:rPr lang="en-US" altLang="zh-CN" sz="1300" dirty="0" err="1">
                           <a:effectLst/>
                         </a:rPr>
                         <a:t>jsp</a:t>
                       </a:r>
                       <a:r>
-                        <a:rPr lang="zh-CN" altLang="en-US" sz="1300">
+                        <a:rPr lang="zh-CN" altLang="en-US" sz="1300" dirty="0">
                           <a:effectLst/>
                         </a:rPr>
                         <a:t>视图页面</a:t>
@@ -19314,10 +19346,22 @@
                     <a:p>
                       <a:pPr fontAlgn="t"/>
                       <a:r>
-                        <a:rPr lang="en-US" sz="1300">
-                          <a:effectLst/>
-                        </a:rPr>
-                        <a:t>${basedir}/target</a:t>
+                        <a:rPr lang="en-US" sz="1300" dirty="0">
+                          <a:effectLst/>
+                        </a:rPr>
+                        <a:t>${</a:t>
+                      </a:r>
+                      <a:r>
+                        <a:rPr lang="en-US" sz="1300" dirty="0" err="1">
+                          <a:effectLst/>
+                        </a:rPr>
+                        <a:t>basedir</a:t>
+                      </a:r>
+                      <a:r>
+                        <a:rPr lang="en-US" sz="1300" dirty="0">
+                          <a:effectLst/>
+                        </a:rPr>
+                        <a:t>}/target</a:t>
                       </a:r>
                     </a:p>
                   </a:txBody>
@@ -19428,10 +19472,22 @@
                     <a:p>
                       <a:pPr fontAlgn="t"/>
                       <a:r>
-                        <a:rPr lang="en-US" sz="1300">
-                          <a:effectLst/>
-                        </a:rPr>
-                        <a:t>${basedir}/target/classes</a:t>
+                        <a:rPr lang="en-US" sz="1300" dirty="0">
+                          <a:effectLst/>
+                        </a:rPr>
+                        <a:t>${</a:t>
+                      </a:r>
+                      <a:r>
+                        <a:rPr lang="en-US" sz="1300" dirty="0" err="1">
+                          <a:effectLst/>
+                        </a:rPr>
+                        <a:t>basedir</a:t>
+                      </a:r>
+                      <a:r>
+                        <a:rPr lang="en-US" sz="1300" dirty="0">
+                          <a:effectLst/>
+                        </a:rPr>
+                        <a:t>}/target/classes</a:t>
                       </a:r>
                     </a:p>
                   </a:txBody>
@@ -19712,13 +19768,13 @@
                     <a:p>
                       <a:pPr fontAlgn="t"/>
                       <a:r>
-                        <a:rPr lang="en-US" altLang="zh-CN" sz="1300">
+                        <a:rPr lang="en-US" altLang="zh-CN" sz="1300" dirty="0">
                           <a:effectLst/>
                         </a:rPr>
                         <a:t>Maven</a:t>
                       </a:r>
                       <a:r>
-                        <a:rPr lang="zh-CN" altLang="en-US" sz="1300">
+                        <a:rPr lang="zh-CN" altLang="en-US" sz="1300" dirty="0">
                           <a:effectLst/>
                         </a:rPr>
                         <a:t>只会自动运行符合该命名规则的测试类</a:t>
@@ -19776,7 +19832,7 @@
                     <a:p>
                       <a:pPr fontAlgn="t"/>
                       <a:r>
-                        <a:rPr lang="en-US" sz="1300">
+                        <a:rPr lang="en-US" sz="1300" dirty="0">
                           <a:effectLst/>
                         </a:rPr>
                         <a:t>~/.m2/repository</a:t>
@@ -22608,7 +22664,19 @@
             </a:r>
             <a:r>
               <a:rPr lang="en-US" dirty="0"/>
-              <a:t>/local/apache-maven-3.3.9 export PATH=${PATH}:${MAVEN_HOME}/</a:t>
+              <a:t>/local/apache-maven-3.3.9 </a:t>
+            </a:r>
+            <a:endParaRPr lang="en-US" dirty="0" smtClean="0"/>
+          </a:p>
+          <a:p>
+            <a:pPr latinLnBrk="1"/>
+            <a:r>
+              <a:rPr lang="en-US" dirty="0" smtClean="0"/>
+              <a:t>export </a:t>
+            </a:r>
+            <a:r>
+              <a:rPr lang="en-US" dirty="0"/>
+              <a:t>PATH=${PATH}:${MAVEN_HOME}/</a:t>
             </a:r>
             <a:r>
               <a:rPr lang="en-US" dirty="0" err="1"/>
